--- a/Introduction - Happy Insurance.pptx
+++ b/Introduction - Happy Insurance.pptx
@@ -143,7 +143,7 @@
       <p15:sldGuideLst xmlns:p15="http://schemas.microsoft.com/office/powerpoint/2012/main"/>
     </p:ext>
     <p:ext uri="http://customooxmlschemas.google.com/">
-      <go:slidesCustomData xmlns:go="http://customooxmlschemas.google.com/" xmlns:ahyp="http://schemas.microsoft.com/office/drawing/2018/hyperlinkcolor" xmlns:p15="http://schemas.microsoft.com/office/powerpoint/2012/main" xmlns:p14="http://schemas.microsoft.com/office/powerpoint/2010/main" xmlns:com="http://schemas.openxmlformats.org/drawingml/2006/compatibility" xmlns:pvml="urn:schemas-microsoft-com:office:powerpoint" xmlns:v="urn:schemas-microsoft-com:vml" xmlns:o="urn:schemas-microsoft-com:office:office" xmlns:dgm="http://schemas.openxmlformats.org/drawingml/2006/diagram" xmlns:c="http://schemas.openxmlformats.org/drawingml/2006/chart" xmlns:mv="urn:schemas-microsoft-com:mac:vml" xmlns:mc="http://schemas.openxmlformats.org/markup-compatibility/2006" xmlns="" r:id="rId22" roundtripDataSignature="AMtx7mg2sfo8FPebJ8AKZsiGtAK3qgZ1Gg=="/>
+      <go:slidesCustomData xmlns="" xmlns:mc="http://schemas.openxmlformats.org/markup-compatibility/2006" xmlns:mv="urn:schemas-microsoft-com:mac:vml" xmlns:c="http://schemas.openxmlformats.org/drawingml/2006/chart" xmlns:dgm="http://schemas.openxmlformats.org/drawingml/2006/diagram" xmlns:o="urn:schemas-microsoft-com:office:office" xmlns:v="urn:schemas-microsoft-com:vml" xmlns:pvml="urn:schemas-microsoft-com:office:powerpoint" xmlns:com="http://schemas.openxmlformats.org/drawingml/2006/compatibility" xmlns:p14="http://schemas.microsoft.com/office/powerpoint/2010/main" xmlns:p15="http://schemas.microsoft.com/office/powerpoint/2012/main" xmlns:ahyp="http://schemas.microsoft.com/office/drawing/2018/hyperlinkcolor" xmlns:go="http://customooxmlschemas.google.com/" r:id="rId22" roundtripDataSignature="AMtx7mg2sfo8FPebJ8AKZsiGtAK3qgZ1Gg=="/>
     </p:ext>
   </p:extLst>
 </p:presentation>
@@ -7358,7 +7358,7 @@
         </p:spPr>
         <p:txBody>
           <a:bodyPr spcFirstLastPara="1" wrap="square" lIns="91425" tIns="45700" rIns="91425" bIns="45700" anchor="t" anchorCtr="0">
-            <a:normAutofit/>
+            <a:normAutofit lnSpcReduction="10000"/>
           </a:bodyPr>
           <a:lstStyle/>
           <a:p>
@@ -7597,7 +7597,7 @@
                 <a:latin typeface="David" panose="020E0502060401010101" pitchFamily="34" charset="-79"/>
                 <a:cs typeface="David" panose="020E0502060401010101" pitchFamily="34" charset="-79"/>
               </a:rPr>
-              <a:t>- </a:t>
+              <a:t>– </a:t>
             </a:r>
             <a:r>
               <a:rPr lang="en-US" sz="2800" b="1" dirty="0">
@@ -7606,6 +7606,35 @@
               </a:rPr>
               <a:t>200866226</a:t>
             </a:r>
+          </a:p>
+          <a:p>
+            <a:r>
+              <a:rPr lang="en-US" sz="2800" b="1" dirty="0">
+                <a:latin typeface="David" panose="020E0502060401010101" pitchFamily="34" charset="-79"/>
+                <a:cs typeface="David" panose="020E0502060401010101" pitchFamily="34" charset="-79"/>
+              </a:rPr>
+              <a:t>Email – </a:t>
+            </a:r>
+            <a:r>
+              <a:rPr lang="en-US" sz="2800" b="1" dirty="0">
+                <a:latin typeface="David" panose="020E0502060401010101" pitchFamily="34" charset="-79"/>
+                <a:cs typeface="David" panose="020E0502060401010101" pitchFamily="34" charset="-79"/>
+                <a:hlinkClick r:id="rId3"/>
+              </a:rPr>
+              <a:t>Avizoor.gal@gmail</a:t>
+            </a:r>
+            <a:r>
+              <a:rPr lang="en-US" sz="2800" b="1">
+                <a:latin typeface="David" panose="020E0502060401010101" pitchFamily="34" charset="-79"/>
+                <a:cs typeface="David" panose="020E0502060401010101" pitchFamily="34" charset="-79"/>
+                <a:hlinkClick r:id="rId3"/>
+              </a:rPr>
+              <a:t>.com</a:t>
+            </a:r>
+            <a:endParaRPr lang="en-US" sz="2800" b="1" dirty="0">
+              <a:latin typeface="David" panose="020E0502060401010101" pitchFamily="34" charset="-79"/>
+              <a:cs typeface="David" panose="020E0502060401010101" pitchFamily="34" charset="-79"/>
+            </a:endParaRPr>
           </a:p>
         </p:txBody>
       </p:sp>

--- a/Introduction - Happy Insurance.pptx
+++ b/Introduction - Happy Insurance.pptx
@@ -5,42 +5,41 @@
     <p:sldMasterId id="2147483701" r:id="rId1"/>
   </p:sldMasterIdLst>
   <p:notesMasterIdLst>
-    <p:notesMasterId r:id="rId9"/>
+    <p:notesMasterId r:id="rId8"/>
   </p:notesMasterIdLst>
   <p:sldIdLst>
     <p:sldId id="256" r:id="rId2"/>
-    <p:sldId id="257" r:id="rId3"/>
+    <p:sldId id="259" r:id="rId3"/>
     <p:sldId id="258" r:id="rId4"/>
-    <p:sldId id="259" r:id="rId5"/>
-    <p:sldId id="260" r:id="rId6"/>
-    <p:sldId id="261" r:id="rId7"/>
-    <p:sldId id="262" r:id="rId8"/>
+    <p:sldId id="260" r:id="rId5"/>
+    <p:sldId id="261" r:id="rId6"/>
+    <p:sldId id="262" r:id="rId7"/>
   </p:sldIdLst>
   <p:sldSz cx="12192000" cy="6858000"/>
   <p:notesSz cx="6858000" cy="9144000"/>
   <p:embeddedFontLst>
     <p:embeddedFont>
       <p:font typeface="Calisto MT" panose="02040603050505030304" pitchFamily="18" charset="0"/>
-      <p:regular r:id="rId10"/>
-      <p:bold r:id="rId11"/>
-      <p:italic r:id="rId12"/>
-      <p:boldItalic r:id="rId13"/>
+      <p:regular r:id="rId9"/>
+      <p:bold r:id="rId10"/>
+      <p:italic r:id="rId11"/>
+      <p:boldItalic r:id="rId12"/>
     </p:embeddedFont>
     <p:embeddedFont>
       <p:font typeface="Century Gothic" panose="020B0502020202020204" pitchFamily="34" charset="0"/>
-      <p:regular r:id="rId14"/>
-      <p:bold r:id="rId15"/>
-      <p:italic r:id="rId16"/>
-      <p:boldItalic r:id="rId17"/>
+      <p:regular r:id="rId13"/>
+      <p:bold r:id="rId14"/>
+      <p:italic r:id="rId15"/>
+      <p:boldItalic r:id="rId16"/>
     </p:embeddedFont>
     <p:embeddedFont>
       <p:font typeface="David" panose="020E0502060401010101" pitchFamily="34" charset="-79"/>
-      <p:regular r:id="rId18"/>
-      <p:bold r:id="rId19"/>
+      <p:regular r:id="rId17"/>
+      <p:bold r:id="rId18"/>
     </p:embeddedFont>
     <p:embeddedFont>
       <p:font typeface="Wingdings 2" panose="05020102010507070707" pitchFamily="18" charset="2"/>
-      <p:regular r:id="rId20"/>
+      <p:regular r:id="rId19"/>
     </p:embeddedFont>
   </p:embeddedFontLst>
   <p:defaultTextStyle>
@@ -143,7 +142,7 @@
       <p15:sldGuideLst xmlns:p15="http://schemas.microsoft.com/office/powerpoint/2012/main"/>
     </p:ext>
     <p:ext uri="http://customooxmlschemas.google.com/">
-      <go:slidesCustomData xmlns="" xmlns:mc="http://schemas.openxmlformats.org/markup-compatibility/2006" xmlns:mv="urn:schemas-microsoft-com:mac:vml" xmlns:c="http://schemas.openxmlformats.org/drawingml/2006/chart" xmlns:dgm="http://schemas.openxmlformats.org/drawingml/2006/diagram" xmlns:o="urn:schemas-microsoft-com:office:office" xmlns:v="urn:schemas-microsoft-com:vml" xmlns:pvml="urn:schemas-microsoft-com:office:powerpoint" xmlns:com="http://schemas.openxmlformats.org/drawingml/2006/compatibility" xmlns:p14="http://schemas.microsoft.com/office/powerpoint/2010/main" xmlns:p15="http://schemas.microsoft.com/office/powerpoint/2012/main" xmlns:ahyp="http://schemas.microsoft.com/office/drawing/2018/hyperlinkcolor" xmlns:go="http://customooxmlschemas.google.com/" r:id="rId22" roundtripDataSignature="AMtx7mg2sfo8FPebJ8AKZsiGtAK3qgZ1Gg=="/>
+      <go:slidesCustomData xmlns:go="http://customooxmlschemas.google.com/" xmlns:ahyp="http://schemas.microsoft.com/office/drawing/2018/hyperlinkcolor" xmlns:p15="http://schemas.microsoft.com/office/powerpoint/2012/main" xmlns:p14="http://schemas.microsoft.com/office/powerpoint/2010/main" xmlns:com="http://schemas.openxmlformats.org/drawingml/2006/compatibility" xmlns:pvml="urn:schemas-microsoft-com:office:powerpoint" xmlns:v="urn:schemas-microsoft-com:vml" xmlns:o="urn:schemas-microsoft-com:office:office" xmlns:dgm="http://schemas.openxmlformats.org/drawingml/2006/diagram" xmlns:c="http://schemas.openxmlformats.org/drawingml/2006/chart" xmlns:mv="urn:schemas-microsoft-com:mac:vml" xmlns:mc="http://schemas.openxmlformats.org/markup-compatibility/2006" xmlns="" r:id="rId22" roundtripDataSignature="AMtx7mg2sfo8FPebJ8AKZsiGtAK3qgZ1Gg=="/>
     </p:ext>
   </p:extLst>
 </p:presentation>
@@ -699,7 +698,7 @@
   <p:cSld>
     <p:spTree>
       <p:nvGrpSpPr>
-        <p:cNvPr id="1" name="Shape 145"/>
+        <p:cNvPr id="1" name="Shape 156"/>
         <p:cNvGrpSpPr/>
         <p:nvPr/>
       </p:nvGrpSpPr>
@@ -713,7 +712,7 @@
       </p:grpSpPr>
       <p:sp>
         <p:nvSpPr>
-          <p:cNvPr id="146" name="Google Shape;146;p2:notes"/>
+          <p:cNvPr id="157" name="Google Shape;157;p4:notes"/>
           <p:cNvSpPr txBox="1">
             <a:spLocks noGrp="1"/>
           </p:cNvSpPr>
@@ -751,7 +750,7 @@
       </p:sp>
       <p:sp>
         <p:nvSpPr>
-          <p:cNvPr id="147" name="Google Shape;147;p2:notes"/>
+          <p:cNvPr id="158" name="Google Shape;158;p4:notes"/>
           <p:cNvSpPr>
             <a:spLocks noGrp="1" noRot="1" noChangeAspect="1"/>
           </p:cNvSpPr>
@@ -907,7 +906,7 @@
   <p:cSld>
     <p:spTree>
       <p:nvGrpSpPr>
-        <p:cNvPr id="1" name="Shape 156"/>
+        <p:cNvPr id="1" name="Shape 161"/>
         <p:cNvGrpSpPr/>
         <p:nvPr/>
       </p:nvGrpSpPr>
@@ -921,7 +920,7 @@
       </p:grpSpPr>
       <p:sp>
         <p:nvSpPr>
-          <p:cNvPr id="157" name="Google Shape;157;p4:notes"/>
+          <p:cNvPr id="162" name="Google Shape;162;p5:notes"/>
           <p:cNvSpPr txBox="1">
             <a:spLocks noGrp="1"/>
           </p:cNvSpPr>
@@ -959,7 +958,7 @@
       </p:sp>
       <p:sp>
         <p:nvSpPr>
-          <p:cNvPr id="158" name="Google Shape;158;p4:notes"/>
+          <p:cNvPr id="163" name="Google Shape;163;p5:notes"/>
           <p:cNvSpPr>
             <a:spLocks noGrp="1" noRot="1" noChangeAspect="1"/>
           </p:cNvSpPr>
@@ -1011,7 +1010,7 @@
   <p:cSld>
     <p:spTree>
       <p:nvGrpSpPr>
-        <p:cNvPr id="1" name="Shape 161"/>
+        <p:cNvPr id="1" name="Shape 167"/>
         <p:cNvGrpSpPr/>
         <p:nvPr/>
       </p:nvGrpSpPr>
@@ -1025,7 +1024,7 @@
       </p:grpSpPr>
       <p:sp>
         <p:nvSpPr>
-          <p:cNvPr id="162" name="Google Shape;162;p5:notes"/>
+          <p:cNvPr id="168" name="Google Shape;168;p6:notes"/>
           <p:cNvSpPr txBox="1">
             <a:spLocks noGrp="1"/>
           </p:cNvSpPr>
@@ -1063,7 +1062,7 @@
       </p:sp>
       <p:sp>
         <p:nvSpPr>
-          <p:cNvPr id="163" name="Google Shape;163;p5:notes"/>
+          <p:cNvPr id="169" name="Google Shape;169;p6:notes"/>
           <p:cNvSpPr>
             <a:spLocks noGrp="1" noRot="1" noChangeAspect="1"/>
           </p:cNvSpPr>
@@ -1111,110 +1110,6 @@
 </file>
 
 <file path=ppt/notesSlides/notesSlide6.xml><?xml version="1.0" encoding="utf-8"?>
-<p:notes xmlns:a="http://schemas.openxmlformats.org/drawingml/2006/main" xmlns:r="http://schemas.openxmlformats.org/officeDocument/2006/relationships" xmlns:p="http://schemas.openxmlformats.org/presentationml/2006/main" showMasterSp="0" showMasterPhAnim="0">
-  <p:cSld>
-    <p:spTree>
-      <p:nvGrpSpPr>
-        <p:cNvPr id="1" name="Shape 167"/>
-        <p:cNvGrpSpPr/>
-        <p:nvPr/>
-      </p:nvGrpSpPr>
-      <p:grpSpPr>
-        <a:xfrm>
-          <a:off x="0" y="0"/>
-          <a:ext cx="0" cy="0"/>
-          <a:chOff x="0" y="0"/>
-          <a:chExt cx="0" cy="0"/>
-        </a:xfrm>
-      </p:grpSpPr>
-      <p:sp>
-        <p:nvSpPr>
-          <p:cNvPr id="168" name="Google Shape;168;p6:notes"/>
-          <p:cNvSpPr txBox="1">
-            <a:spLocks noGrp="1"/>
-          </p:cNvSpPr>
-          <p:nvPr>
-            <p:ph type="body" idx="1"/>
-          </p:nvPr>
-        </p:nvSpPr>
-        <p:spPr>
-          <a:xfrm>
-            <a:off x="685800" y="4343400"/>
-            <a:ext cx="5486400" cy="4114800"/>
-          </a:xfrm>
-          <a:prstGeom prst="rect">
-            <a:avLst/>
-          </a:prstGeom>
-        </p:spPr>
-        <p:txBody>
-          <a:bodyPr spcFirstLastPara="1" wrap="square" lIns="91425" tIns="91425" rIns="91425" bIns="91425" anchor="t" anchorCtr="0">
-            <a:noAutofit/>
-          </a:bodyPr>
-          <a:lstStyle/>
-          <a:p>
-            <a:pPr marL="0" lvl="0" indent="0" algn="l" rtl="0">
-              <a:spcBef>
-                <a:spcPts val="0"/>
-              </a:spcBef>
-              <a:spcAft>
-                <a:spcPts val="0"/>
-              </a:spcAft>
-              <a:buNone/>
-            </a:pPr>
-            <a:endParaRPr/>
-          </a:p>
-        </p:txBody>
-      </p:sp>
-      <p:sp>
-        <p:nvSpPr>
-          <p:cNvPr id="169" name="Google Shape;169;p6:notes"/>
-          <p:cNvSpPr>
-            <a:spLocks noGrp="1" noRot="1" noChangeAspect="1"/>
-          </p:cNvSpPr>
-          <p:nvPr>
-            <p:ph type="sldImg" idx="2"/>
-          </p:nvPr>
-        </p:nvSpPr>
-        <p:spPr>
-          <a:xfrm>
-            <a:off x="381000" y="685800"/>
-            <a:ext cx="6096000" cy="3429000"/>
-          </a:xfrm>
-          <a:custGeom>
-            <a:avLst/>
-            <a:gdLst/>
-            <a:ahLst/>
-            <a:cxnLst/>
-            <a:rect l="l" t="t" r="r" b="b"/>
-            <a:pathLst>
-              <a:path w="120000" h="120000" extrusionOk="0">
-                <a:moveTo>
-                  <a:pt x="0" y="0"/>
-                </a:moveTo>
-                <a:lnTo>
-                  <a:pt x="120000" y="0"/>
-                </a:lnTo>
-                <a:lnTo>
-                  <a:pt x="120000" y="120000"/>
-                </a:lnTo>
-                <a:lnTo>
-                  <a:pt x="0" y="120000"/>
-                </a:lnTo>
-                <a:close/>
-              </a:path>
-            </a:pathLst>
-          </a:custGeom>
-        </p:spPr>
-      </p:sp>
-    </p:spTree>
-  </p:cSld>
-  <p:clrMapOvr>
-    <a:masterClrMapping/>
-  </p:clrMapOvr>
-</p:notes>
-</file>
-
-<file path=ppt/notesSlides/notesSlide7.xml><?xml version="1.0" encoding="utf-8"?>
 <p:notes xmlns:a="http://schemas.openxmlformats.org/drawingml/2006/main" xmlns:r="http://schemas.openxmlformats.org/officeDocument/2006/relationships" xmlns:p="http://schemas.openxmlformats.org/presentationml/2006/main" showMasterSp="0" showMasterPhAnim="0">
   <p:cSld>
     <p:spTree>
@@ -7485,7 +7380,7 @@
                 <a:cs typeface="David"/>
                 <a:sym typeface="David"/>
               </a:rPr>
-              <a:t>Final project in Power BI &amp; Power Query</a:t>
+              <a:t>Power BI &amp; Power Query</a:t>
             </a:r>
             <a:r>
               <a:rPr lang="en-US" sz="3200" dirty="0">
@@ -7504,6 +7399,24 @@
                 <a:sym typeface="David"/>
               </a:rPr>
               <a:t>Pivot</a:t>
+            </a:r>
+            <a:r>
+              <a:rPr lang="en-US" sz="3200" dirty="0">
+                <a:latin typeface="David"/>
+                <a:ea typeface="David"/>
+                <a:cs typeface="David"/>
+                <a:sym typeface="David"/>
+              </a:rPr>
+              <a:t> </a:t>
+            </a:r>
+            <a:r>
+              <a:rPr lang="iw-IL" sz="3200" dirty="0">
+                <a:latin typeface="David"/>
+                <a:ea typeface="David"/>
+                <a:cs typeface="David"/>
+                <a:sym typeface="David"/>
+              </a:rPr>
+              <a:t>project</a:t>
             </a:r>
             <a:endParaRPr sz="3200" dirty="0">
               <a:latin typeface="David"/>
@@ -7621,15 +7534,7 @@
                 <a:cs typeface="David" panose="020E0502060401010101" pitchFamily="34" charset="-79"/>
                 <a:hlinkClick r:id="rId3"/>
               </a:rPr>
-              <a:t>Avizoor.gal@gmail</a:t>
-            </a:r>
-            <a:r>
-              <a:rPr lang="en-US" sz="2800" b="1">
-                <a:latin typeface="David" panose="020E0502060401010101" pitchFamily="34" charset="-79"/>
-                <a:cs typeface="David" panose="020E0502060401010101" pitchFamily="34" charset="-79"/>
-                <a:hlinkClick r:id="rId3"/>
-              </a:rPr>
-              <a:t>.com</a:t>
+              <a:t>Avizoor.gal@gmail.com</a:t>
             </a:r>
             <a:endParaRPr lang="en-US" sz="2800" b="1" dirty="0">
               <a:latin typeface="David" panose="020E0502060401010101" pitchFamily="34" charset="-79"/>
@@ -7651,7 +7556,7 @@
   <p:cSld>
     <p:spTree>
       <p:nvGrpSpPr>
-        <p:cNvPr id="1" name="Shape 148"/>
+        <p:cNvPr id="1" name="Shape 159"/>
         <p:cNvGrpSpPr/>
         <p:nvPr/>
       </p:nvGrpSpPr>
@@ -7665,7 +7570,7 @@
       </p:grpSpPr>
       <p:sp>
         <p:nvSpPr>
-          <p:cNvPr id="149" name="Google Shape;149;p2"/>
+          <p:cNvPr id="160" name="Google Shape;160;p4"/>
           <p:cNvSpPr txBox="1">
             <a:spLocks noGrp="1"/>
           </p:cNvSpPr>
@@ -7675,8 +7580,8 @@
         </p:nvSpPr>
         <p:spPr>
           <a:xfrm>
-            <a:off x="762702" y="382739"/>
-            <a:ext cx="10061591" cy="5259573"/>
+            <a:off x="905069" y="476044"/>
+            <a:ext cx="10507053" cy="6111368"/>
           </a:xfrm>
           <a:prstGeom prst="rect">
             <a:avLst/>
@@ -7715,7 +7620,7 @@
                 <a:cs typeface="David"/>
                 <a:sym typeface="David"/>
               </a:rPr>
-              <a:t>הנחות שנלקחו בפרויקט</a:t>
+              <a:t>שלבי פיתוח הפרויקט</a:t>
             </a:r>
             <a:r>
               <a:rPr lang="iw-IL" sz="2400" b="1" dirty="0">
@@ -7734,7 +7639,7 @@
                 <a:sym typeface="David"/>
               </a:rPr>
             </a:br>
-            <a:endParaRPr sz="2400" b="1" dirty="0">
+            <a:endParaRPr sz="2400" dirty="0">
               <a:latin typeface="David"/>
               <a:ea typeface="David"/>
               <a:cs typeface="David"/>
@@ -7766,7 +7671,25 @@
                 <a:cs typeface="David"/>
                 <a:sym typeface="David"/>
               </a:rPr>
-              <a:t>גורם ההוצאו</a:t>
+              <a:t> בתחילת הפרויקט </a:t>
+            </a:r>
+            <a:r>
+              <a:rPr lang="he-IL" sz="2400" dirty="0" err="1">
+                <a:latin typeface="David"/>
+                <a:ea typeface="David"/>
+                <a:cs typeface="David"/>
+                <a:sym typeface="David"/>
+              </a:rPr>
+              <a:t>העלאתי</a:t>
+            </a:r>
+            <a:r>
+              <a:rPr lang="iw-IL" sz="2400" dirty="0">
+                <a:latin typeface="David"/>
+                <a:ea typeface="David"/>
+                <a:cs typeface="David"/>
+                <a:sym typeface="David"/>
+              </a:rPr>
+              <a:t> את הנתונים</a:t>
             </a:r>
             <a:r>
               <a:rPr lang="he-IL" sz="2400" dirty="0">
@@ -7775,7 +7698,7 @@
                 <a:cs typeface="David"/>
                 <a:sym typeface="David"/>
               </a:rPr>
-              <a:t>ת</a:t>
+              <a:t> אל -</a:t>
             </a:r>
             <a:r>
               <a:rPr lang="iw-IL" sz="2400" dirty="0">
@@ -7784,6 +7707,24 @@
                 <a:cs typeface="David"/>
                 <a:sym typeface="David"/>
               </a:rPr>
+              <a:t>SQ</a:t>
+            </a:r>
+            <a:r>
+              <a:rPr lang="en-US" sz="2400" dirty="0">
+                <a:latin typeface="David"/>
+                <a:ea typeface="David"/>
+                <a:cs typeface="David"/>
+                <a:sym typeface="David"/>
+              </a:rPr>
+              <a:t>L</a:t>
+            </a:r>
+            <a:r>
+              <a:rPr lang="iw-IL" sz="2400" dirty="0">
+                <a:latin typeface="David"/>
+                <a:ea typeface="David"/>
+                <a:cs typeface="David"/>
+                <a:sym typeface="David"/>
+              </a:rPr>
               <a:t> </a:t>
             </a:r>
             <a:r>
@@ -7793,7 +7734,25 @@
                 <a:cs typeface="David"/>
                 <a:sym typeface="David"/>
               </a:rPr>
-              <a:t>בחברה הינו</a:t>
+              <a:t> ע"י סקריפט שבנה את הנתונים בטבלאות, ומתוך </a:t>
+            </a:r>
+            <a:r>
+              <a:rPr lang="en-US" sz="2400" dirty="0">
+                <a:latin typeface="David"/>
+                <a:ea typeface="David"/>
+                <a:cs typeface="David"/>
+                <a:sym typeface="David"/>
+              </a:rPr>
+              <a:t>PBI</a:t>
+            </a:r>
+            <a:r>
+              <a:rPr lang="he-IL" sz="2400" dirty="0">
+                <a:latin typeface="David"/>
+                <a:ea typeface="David"/>
+                <a:cs typeface="David"/>
+                <a:sym typeface="David"/>
+              </a:rPr>
+              <a:t> </a:t>
             </a:r>
             <a:r>
               <a:rPr lang="iw-IL" sz="2400" dirty="0">
@@ -7802,7 +7761,25 @@
                 <a:cs typeface="David"/>
                 <a:sym typeface="David"/>
               </a:rPr>
-              <a:t> תביעות</a:t>
+              <a:t> שאב</a:t>
+            </a:r>
+            <a:r>
+              <a:rPr lang="he-IL" sz="2400" dirty="0" err="1">
+                <a:latin typeface="David"/>
+                <a:ea typeface="David"/>
+                <a:cs typeface="David"/>
+                <a:sym typeface="David"/>
+              </a:rPr>
+              <a:t>תי</a:t>
+            </a:r>
+            <a:r>
+              <a:rPr lang="iw-IL" sz="2400" dirty="0">
+                <a:latin typeface="David"/>
+                <a:ea typeface="David"/>
+                <a:cs typeface="David"/>
+                <a:sym typeface="David"/>
+              </a:rPr>
+              <a:t> את הנתונים</a:t>
             </a:r>
             <a:r>
               <a:rPr lang="he-IL" sz="2400" dirty="0">
@@ -7811,8 +7788,45 @@
                 <a:cs typeface="David"/>
                 <a:sym typeface="David"/>
               </a:rPr>
-              <a:t> של המבוטחים שאותן צריכה החברה לשלם.</a:t>
-            </a:r>
+              <a:t> הנ"ל</a:t>
+            </a:r>
+            <a:r>
+              <a:rPr lang="iw-IL" sz="2400" dirty="0">
+                <a:latin typeface="David"/>
+                <a:ea typeface="David"/>
+                <a:cs typeface="David"/>
+                <a:sym typeface="David"/>
+              </a:rPr>
+              <a:t> </a:t>
+            </a:r>
+            <a:r>
+              <a:rPr lang="he-IL" sz="2400" dirty="0">
+                <a:latin typeface="David"/>
+                <a:ea typeface="David"/>
+                <a:cs typeface="David"/>
+                <a:sym typeface="David"/>
+              </a:rPr>
+              <a:t>יחד עם קובץ </a:t>
+            </a:r>
+            <a:r>
+              <a:rPr lang="en-US" sz="2400" dirty="0">
+                <a:latin typeface="David"/>
+                <a:ea typeface="David"/>
+                <a:cs typeface="David"/>
+                <a:sym typeface="David"/>
+              </a:rPr>
+              <a:t>CSV</a:t>
+            </a:r>
+            <a:r>
+              <a:rPr lang="he-IL" sz="2400" dirty="0">
+                <a:latin typeface="David"/>
+                <a:ea typeface="David"/>
+                <a:cs typeface="David"/>
+                <a:sym typeface="David"/>
+              </a:rPr>
+              <a:t> נוסף שהכיל את טבלת האזורים.</a:t>
+            </a:r>
+            <a:endParaRPr sz="2400" dirty="0"/>
           </a:p>
           <a:p>
             <a:pPr marL="457200" lvl="0" indent="-457200" algn="r" rtl="1">
@@ -7833,14 +7847,96 @@
               <a:buAutoNum type="arabicPeriod"/>
             </a:pPr>
             <a:r>
+              <a:rPr lang="iw-IL" sz="2400" dirty="0">
+                <a:latin typeface="David"/>
+                <a:ea typeface="David"/>
+                <a:cs typeface="David"/>
+                <a:sym typeface="David"/>
+              </a:rPr>
+              <a:t>בשלב השני שילב</a:t>
+            </a:r>
+            <a:r>
+              <a:rPr lang="he-IL" sz="2400" dirty="0" err="1">
+                <a:latin typeface="David"/>
+                <a:ea typeface="David"/>
+                <a:cs typeface="David"/>
+                <a:sym typeface="David"/>
+              </a:rPr>
+              <a:t>תי</a:t>
+            </a:r>
+            <a:r>
+              <a:rPr lang="iw-IL" sz="2400" dirty="0">
+                <a:latin typeface="David"/>
+                <a:ea typeface="David"/>
+                <a:cs typeface="David"/>
+                <a:sym typeface="David"/>
+              </a:rPr>
+              <a:t> את הטבלאות בקשרי גומלין</a:t>
+            </a:r>
+            <a:r>
               <a:rPr lang="he-IL" sz="2400" dirty="0">
                 <a:latin typeface="David"/>
                 <a:ea typeface="David"/>
                 <a:cs typeface="David"/>
                 <a:sym typeface="David"/>
               </a:rPr>
-              <a:t>מטרתה של כל חברה היא מקסום רווחיה, בחירת מדדי הביצועים נעשתה על מנת לקבל מידע רב יותר על ביצועיה הפיננים.</a:t>
-            </a:r>
+              <a:t> עם</a:t>
+            </a:r>
+            <a:r>
+              <a:rPr lang="iw-IL" sz="2400" dirty="0">
+                <a:latin typeface="David"/>
+                <a:ea typeface="David"/>
+                <a:cs typeface="David"/>
+                <a:sym typeface="David"/>
+              </a:rPr>
+              <a:t> יצירת</a:t>
+            </a:r>
+            <a:r>
+              <a:rPr lang="en-US" sz="2400" dirty="0" err="1">
+                <a:latin typeface="David"/>
+                <a:ea typeface="David"/>
+                <a:cs typeface="David"/>
+                <a:sym typeface="David"/>
+              </a:rPr>
+              <a:t>Surrgate</a:t>
+            </a:r>
+            <a:r>
+              <a:rPr lang="en-US" sz="2400" dirty="0">
+                <a:latin typeface="David"/>
+                <a:ea typeface="David"/>
+                <a:cs typeface="David"/>
+                <a:sym typeface="David"/>
+              </a:rPr>
+              <a:t> Keys</a:t>
+            </a:r>
+            <a:r>
+              <a:rPr lang="iw-IL" sz="2400" dirty="0">
+                <a:latin typeface="David"/>
+                <a:ea typeface="David"/>
+                <a:cs typeface="David"/>
+                <a:sym typeface="David"/>
+              </a:rPr>
+              <a:t> </a:t>
+            </a:r>
+            <a:r>
+              <a:rPr lang="he-IL" sz="2400" dirty="0">
+                <a:latin typeface="David"/>
+                <a:ea typeface="David"/>
+                <a:cs typeface="David"/>
+                <a:sym typeface="David"/>
+              </a:rPr>
+              <a:t> לבניית מודל ב</a:t>
+            </a:r>
+            <a:r>
+              <a:rPr lang="iw-IL" sz="2400" dirty="0">
+                <a:latin typeface="David"/>
+                <a:ea typeface="David"/>
+                <a:cs typeface="David"/>
+                <a:sym typeface="David"/>
+              </a:rPr>
+              <a:t>תצורת סכמת הכוכב.</a:t>
+            </a:r>
+            <a:endParaRPr sz="2400" dirty="0"/>
           </a:p>
           <a:p>
             <a:pPr marL="457200" lvl="0" indent="-457200" algn="r" rtl="1">
@@ -7867,7 +7963,25 @@
                 <a:cs typeface="David"/>
                 <a:sym typeface="David"/>
               </a:rPr>
-              <a:t>כל חברה ובעיקר חברות ביטוח </a:t>
+              <a:t>לאחר מכן, ניתח</a:t>
+            </a:r>
+            <a:r>
+              <a:rPr lang="he-IL" sz="2400" dirty="0" err="1">
+                <a:latin typeface="David"/>
+                <a:ea typeface="David"/>
+                <a:cs typeface="David"/>
+                <a:sym typeface="David"/>
+              </a:rPr>
+              <a:t>תי</a:t>
+            </a:r>
+            <a:r>
+              <a:rPr lang="iw-IL" sz="2400" dirty="0">
+                <a:latin typeface="David"/>
+                <a:ea typeface="David"/>
+                <a:cs typeface="David"/>
+                <a:sym typeface="David"/>
+              </a:rPr>
+              <a:t> את </a:t>
             </a:r>
             <a:r>
               <a:rPr lang="he-IL" sz="2400" dirty="0">
@@ -7876,7 +7990,7 @@
                 <a:cs typeface="David"/>
                 <a:sym typeface="David"/>
               </a:rPr>
-              <a:t>אשר </a:t>
+              <a:t>ה</a:t>
             </a:r>
             <a:r>
               <a:rPr lang="iw-IL" sz="2400" dirty="0">
@@ -7885,7 +7999,25 @@
                 <a:cs typeface="David"/>
                 <a:sym typeface="David"/>
               </a:rPr>
-              <a:t>חשופות לתביעות נדרשות </a:t>
+              <a:t>נתונים שקיבל</a:t>
+            </a:r>
+            <a:r>
+              <a:rPr lang="he-IL" sz="2400" dirty="0" err="1">
+                <a:latin typeface="David"/>
+                <a:ea typeface="David"/>
+                <a:cs typeface="David"/>
+                <a:sym typeface="David"/>
+              </a:rPr>
+              <a:t>תי</a:t>
+            </a:r>
+            <a:r>
+              <a:rPr lang="iw-IL" sz="2400" dirty="0">
+                <a:latin typeface="David"/>
+                <a:ea typeface="David"/>
+                <a:cs typeface="David"/>
+                <a:sym typeface="David"/>
+              </a:rPr>
+              <a:t> בשילוב בין הטבלאו</a:t>
             </a:r>
             <a:r>
               <a:rPr lang="he-IL" sz="2400" dirty="0">
@@ -7894,7 +8026,25 @@
                 <a:cs typeface="David"/>
                 <a:sym typeface="David"/>
               </a:rPr>
-              <a:t>לעקוב אחר</a:t>
+              <a:t>ת </a:t>
+            </a:r>
+            <a:r>
+              <a:rPr lang="he-IL" sz="2400" dirty="0" err="1">
+                <a:latin typeface="David"/>
+                <a:ea typeface="David"/>
+                <a:cs typeface="David"/>
+                <a:sym typeface="David"/>
+              </a:rPr>
+              <a:t>ובחרצי</a:t>
+            </a:r>
+            <a:r>
+              <a:rPr lang="he-IL" sz="2400" dirty="0">
+                <a:latin typeface="David"/>
+                <a:ea typeface="David"/>
+                <a:cs typeface="David"/>
+                <a:sym typeface="David"/>
+              </a:rPr>
+              <a:t> כיצד לפלח</a:t>
             </a:r>
             <a:r>
               <a:rPr lang="iw-IL" sz="2400" dirty="0">
@@ -7903,7 +8053,7 @@
                 <a:cs typeface="David"/>
                 <a:sym typeface="David"/>
               </a:rPr>
-              <a:t> רווחי</a:t>
+              <a:t> ולהציג</a:t>
             </a:r>
             <a:r>
               <a:rPr lang="he-IL" sz="2400" dirty="0">
@@ -7912,7 +8062,7 @@
                 <a:cs typeface="David"/>
                 <a:sym typeface="David"/>
               </a:rPr>
-              <a:t> החברה</a:t>
+              <a:t> את</a:t>
             </a:r>
             <a:r>
               <a:rPr lang="iw-IL" sz="2400" dirty="0">
@@ -7921,7 +8071,7 @@
                 <a:cs typeface="David"/>
                 <a:sym typeface="David"/>
               </a:rPr>
-              <a:t> ומאזן</a:t>
+              <a:t> </a:t>
             </a:r>
             <a:r>
               <a:rPr lang="he-IL" sz="2400" dirty="0">
@@ -7930,7 +8080,7 @@
                 <a:cs typeface="David"/>
                 <a:sym typeface="David"/>
               </a:rPr>
-              <a:t> החברה</a:t>
+              <a:t>ה</a:t>
             </a:r>
             <a:r>
               <a:rPr lang="iw-IL" sz="2400" dirty="0">
@@ -7939,7 +8089,7 @@
                 <a:cs typeface="David"/>
                 <a:sym typeface="David"/>
               </a:rPr>
-              <a:t> </a:t>
+              <a:t>מידע </a:t>
             </a:r>
             <a:r>
               <a:rPr lang="he-IL" sz="2400" dirty="0">
@@ -7948,7 +8098,7 @@
                 <a:cs typeface="David"/>
                 <a:sym typeface="David"/>
               </a:rPr>
-              <a:t>בכל תקופה,</a:t>
+              <a:t>בצורה </a:t>
             </a:r>
             <a:r>
               <a:rPr lang="iw-IL" sz="2400" dirty="0">
@@ -7957,7 +8107,7 @@
                 <a:cs typeface="David"/>
                 <a:sym typeface="David"/>
               </a:rPr>
-              <a:t> </a:t>
+              <a:t>ש</a:t>
             </a:r>
             <a:r>
               <a:rPr lang="he-IL" sz="2400" dirty="0">
@@ -7966,7 +8116,7 @@
                 <a:cs typeface="David"/>
                 <a:sym typeface="David"/>
               </a:rPr>
-              <a:t>בעקבות זאת</a:t>
+              <a:t>ת</a:t>
             </a:r>
             <a:r>
               <a:rPr lang="iw-IL" sz="2400" dirty="0">
@@ -7975,7 +8125,7 @@
                 <a:cs typeface="David"/>
                 <a:sym typeface="David"/>
               </a:rPr>
-              <a:t> </a:t>
+              <a:t>עזור לפתח </a:t>
             </a:r>
             <a:r>
               <a:rPr lang="he-IL" sz="2400" dirty="0">
@@ -7984,7 +8134,7 @@
                 <a:cs typeface="David"/>
                 <a:sym typeface="David"/>
               </a:rPr>
-              <a:t>ניתחנו</a:t>
+              <a:t>ולייעל</a:t>
             </a:r>
             <a:r>
               <a:rPr lang="iw-IL" sz="2400" dirty="0">
@@ -7993,14 +8143,9 @@
                 <a:cs typeface="David"/>
                 <a:sym typeface="David"/>
               </a:rPr>
-              <a:t> את מצבה הפיננסי של החברה.</a:t>
-            </a:r>
-            <a:endParaRPr sz="2400" dirty="0">
-              <a:latin typeface="David"/>
-              <a:ea typeface="David"/>
-              <a:cs typeface="David"/>
-              <a:sym typeface="David"/>
-            </a:endParaRPr>
+              <a:t> את החברה.</a:t>
+            </a:r>
+            <a:endParaRPr sz="2400" dirty="0"/>
           </a:p>
           <a:p>
             <a:pPr marL="457200" lvl="0" indent="-457200" algn="r" rtl="1">
@@ -8027,16 +8172,16 @@
                 <a:cs typeface="David"/>
                 <a:sym typeface="David"/>
               </a:rPr>
-              <a:t>ביטוח הוא לרוב לשנה אחת </a:t>
-            </a:r>
-            <a:r>
-              <a:rPr lang="he-IL" sz="2400" dirty="0">
-                <a:latin typeface="David"/>
-                <a:ea typeface="David"/>
-                <a:cs typeface="David"/>
-                <a:sym typeface="David"/>
-              </a:rPr>
-              <a:t>, </a:t>
+              <a:t>בהמשך הוספ</a:t>
+            </a:r>
+            <a:r>
+              <a:rPr lang="he-IL" sz="2400" dirty="0" err="1">
+                <a:latin typeface="David"/>
+                <a:ea typeface="David"/>
+                <a:cs typeface="David"/>
+                <a:sym typeface="David"/>
+              </a:rPr>
+              <a:t>תי</a:t>
             </a:r>
             <a:r>
               <a:rPr lang="iw-IL" sz="2400" dirty="0">
@@ -8045,35 +8190,12 @@
                 <a:cs typeface="David"/>
                 <a:sym typeface="David"/>
               </a:rPr>
-              <a:t>מכאן שהניתוחים צריכים להתייחס בעיקר לשנה בשילוב עם הרבעונים</a:t>
-            </a:r>
-            <a:r>
-              <a:rPr lang="he-IL" sz="2400" dirty="0">
-                <a:latin typeface="David"/>
-                <a:ea typeface="David"/>
-                <a:cs typeface="David"/>
-                <a:sym typeface="David"/>
-              </a:rPr>
-              <a:t>.</a:t>
-            </a:r>
-            <a:r>
-              <a:rPr lang="iw-IL" sz="2400" dirty="0">
-                <a:latin typeface="David"/>
-                <a:ea typeface="David"/>
-                <a:cs typeface="David"/>
-                <a:sym typeface="David"/>
-              </a:rPr>
-              <a:t> </a:t>
-            </a:r>
-            <a:endParaRPr sz="2400" dirty="0">
-              <a:latin typeface="David"/>
-              <a:ea typeface="David"/>
-              <a:cs typeface="David"/>
-              <a:sym typeface="David"/>
-            </a:endParaRPr>
-          </a:p>
-          <a:p>
-            <a:pPr marL="0" lvl="0" indent="0" algn="r" rtl="1">
+              <a:t> חישובים שיתמכו בניתוחים המתוכננים.</a:t>
+            </a:r>
+            <a:endParaRPr sz="2400" dirty="0"/>
+          </a:p>
+          <a:p>
+            <a:pPr marL="457200" lvl="0" indent="-457200" algn="r" rtl="1">
               <a:lnSpc>
                 <a:spcPct val="90000"/>
               </a:lnSpc>
@@ -8083,17 +8205,89 @@
               <a:spcAft>
                 <a:spcPts val="0"/>
               </a:spcAft>
-              <a:buNone/>
+              <a:buClr>
+                <a:schemeClr val="lt1"/>
+              </a:buClr>
+              <a:buSzPts val="2200"/>
+              <a:buFont typeface="Century Gothic"/>
+              <a:buAutoNum type="arabicPeriod"/>
             </a:pPr>
-            <a:endParaRPr sz="2400" dirty="0">
-              <a:latin typeface="David"/>
-              <a:ea typeface="David"/>
-              <a:cs typeface="David"/>
-              <a:sym typeface="David"/>
-            </a:endParaRPr>
-          </a:p>
-          <a:p>
-            <a:pPr marL="0" lvl="0" indent="0" algn="r" rtl="1">
+            <a:r>
+              <a:rPr lang="he-IL" sz="2400" dirty="0">
+                <a:latin typeface="David"/>
+                <a:ea typeface="David"/>
+                <a:cs typeface="David"/>
+                <a:sym typeface="David"/>
+              </a:rPr>
+              <a:t>בחירת</a:t>
+            </a:r>
+            <a:r>
+              <a:rPr lang="iw-IL" sz="2400" dirty="0">
+                <a:latin typeface="David"/>
+                <a:ea typeface="David"/>
+                <a:cs typeface="David"/>
+                <a:sym typeface="David"/>
+              </a:rPr>
+              <a:t> KPI</a:t>
+            </a:r>
+            <a:r>
+              <a:rPr lang="en-US" sz="2400" dirty="0">
+                <a:latin typeface="David"/>
+                <a:ea typeface="David"/>
+                <a:cs typeface="David"/>
+                <a:sym typeface="David"/>
+              </a:rPr>
+              <a:t>’s</a:t>
+            </a:r>
+            <a:r>
+              <a:rPr lang="iw-IL" sz="2400" dirty="0">
+                <a:latin typeface="David"/>
+                <a:ea typeface="David"/>
+                <a:cs typeface="David"/>
+                <a:sym typeface="David"/>
+              </a:rPr>
+              <a:t> מתאי</a:t>
+            </a:r>
+            <a:r>
+              <a:rPr lang="he-IL" sz="2400" dirty="0">
+                <a:latin typeface="David"/>
+                <a:ea typeface="David"/>
+                <a:cs typeface="David"/>
+                <a:sym typeface="David"/>
+              </a:rPr>
+              <a:t>מים</a:t>
+            </a:r>
+            <a:r>
+              <a:rPr lang="iw-IL" sz="2400" dirty="0">
+                <a:latin typeface="David"/>
+                <a:ea typeface="David"/>
+                <a:cs typeface="David"/>
+                <a:sym typeface="David"/>
+              </a:rPr>
+              <a:t> לכל </a:t>
+            </a:r>
+            <a:r>
+              <a:rPr lang="he-IL" sz="2400" dirty="0">
+                <a:latin typeface="David"/>
+                <a:ea typeface="David"/>
+                <a:cs typeface="David"/>
+                <a:sym typeface="David"/>
+              </a:rPr>
+              <a:t>לשונית</a:t>
+            </a:r>
+            <a:r>
+              <a:rPr lang="iw-IL" sz="2400" dirty="0">
+                <a:latin typeface="David"/>
+                <a:ea typeface="David"/>
+                <a:cs typeface="David"/>
+                <a:sym typeface="David"/>
+              </a:rPr>
+              <a:t>.</a:t>
+            </a:r>
+            <a:endParaRPr sz="2400" dirty="0"/>
+          </a:p>
+          <a:p>
+            <a:pPr marL="457200" lvl="0" indent="-457200" algn="r" rtl="1">
               <a:lnSpc>
                 <a:spcPct val="90000"/>
               </a:lnSpc>
@@ -8103,14 +8297,176 @@
               <a:spcAft>
                 <a:spcPts val="0"/>
               </a:spcAft>
-              <a:buNone/>
+              <a:buClr>
+                <a:schemeClr val="lt1"/>
+              </a:buClr>
+              <a:buSzPts val="2200"/>
+              <a:buFont typeface="Century Gothic"/>
+              <a:buAutoNum type="arabicPeriod"/>
             </a:pPr>
-            <a:endParaRPr sz="2400" dirty="0">
-              <a:latin typeface="David"/>
-              <a:ea typeface="David"/>
-              <a:cs typeface="David"/>
-              <a:sym typeface="David"/>
-            </a:endParaRPr>
+            <a:r>
+              <a:rPr lang="iw-IL" sz="2400" dirty="0">
+                <a:latin typeface="David"/>
+                <a:ea typeface="David"/>
+                <a:cs typeface="David"/>
+                <a:sym typeface="David"/>
+              </a:rPr>
+              <a:t>לסיום הצג</a:t>
+            </a:r>
+            <a:r>
+              <a:rPr lang="he-IL" sz="2400" dirty="0" err="1">
+                <a:latin typeface="David"/>
+                <a:ea typeface="David"/>
+                <a:cs typeface="David"/>
+                <a:sym typeface="David"/>
+              </a:rPr>
+              <a:t>תי</a:t>
+            </a:r>
+            <a:r>
+              <a:rPr lang="he-IL" sz="2400" dirty="0">
+                <a:latin typeface="David"/>
+                <a:ea typeface="David"/>
+                <a:cs typeface="David"/>
+                <a:sym typeface="David"/>
+              </a:rPr>
+              <a:t> </a:t>
+            </a:r>
+            <a:r>
+              <a:rPr lang="iw-IL" sz="2400" dirty="0">
+                <a:latin typeface="David"/>
+                <a:ea typeface="David"/>
+                <a:cs typeface="David"/>
+                <a:sym typeface="David"/>
+              </a:rPr>
+              <a:t>את תוצאות הניתוחים בטבלאות וגרפים </a:t>
+            </a:r>
+            <a:r>
+              <a:rPr lang="he-IL" sz="2400" dirty="0">
+                <a:latin typeface="David"/>
+                <a:ea typeface="David"/>
+                <a:cs typeface="David"/>
+                <a:sym typeface="David"/>
+              </a:rPr>
+              <a:t>על מנת לקבל מידע</a:t>
+            </a:r>
+            <a:r>
+              <a:rPr lang="iw-IL" sz="2400" dirty="0">
+                <a:latin typeface="David"/>
+                <a:ea typeface="David"/>
+                <a:cs typeface="David"/>
+                <a:sym typeface="David"/>
+              </a:rPr>
+              <a:t> </a:t>
+            </a:r>
+            <a:r>
+              <a:rPr lang="he-IL" sz="2400" dirty="0">
+                <a:latin typeface="David"/>
+                <a:ea typeface="David"/>
+                <a:cs typeface="David"/>
+                <a:sym typeface="David"/>
+              </a:rPr>
+              <a:t>על </a:t>
+            </a:r>
+            <a:r>
+              <a:rPr lang="iw-IL" sz="2400" dirty="0">
+                <a:latin typeface="David"/>
+                <a:ea typeface="David"/>
+                <a:cs typeface="David"/>
+                <a:sym typeface="David"/>
+              </a:rPr>
+              <a:t>מצב</a:t>
+            </a:r>
+            <a:r>
+              <a:rPr lang="he-IL" sz="2400" dirty="0">
+                <a:latin typeface="David"/>
+                <a:ea typeface="David"/>
+                <a:cs typeface="David"/>
+                <a:sym typeface="David"/>
+              </a:rPr>
+              <a:t>ה של </a:t>
+            </a:r>
+            <a:r>
+              <a:rPr lang="iw-IL" sz="2400" dirty="0">
+                <a:latin typeface="David"/>
+                <a:ea typeface="David"/>
+                <a:cs typeface="David"/>
+                <a:sym typeface="David"/>
+              </a:rPr>
+              <a:t>החברה</a:t>
+            </a:r>
+            <a:r>
+              <a:rPr lang="he-IL" sz="2400" dirty="0">
+                <a:latin typeface="David"/>
+                <a:ea typeface="David"/>
+                <a:cs typeface="David"/>
+                <a:sym typeface="David"/>
+              </a:rPr>
+              <a:t>,</a:t>
+            </a:r>
+            <a:r>
+              <a:rPr lang="iw-IL" sz="2400" dirty="0">
+                <a:latin typeface="David"/>
+                <a:ea typeface="David"/>
+                <a:cs typeface="David"/>
+                <a:sym typeface="David"/>
+              </a:rPr>
+              <a:t> </a:t>
+            </a:r>
+            <a:r>
+              <a:rPr lang="he-IL" sz="2400" dirty="0">
+                <a:latin typeface="David"/>
+                <a:ea typeface="David"/>
+                <a:cs typeface="David"/>
+                <a:sym typeface="David"/>
+              </a:rPr>
+              <a:t>כמו </a:t>
+            </a:r>
+            <a:r>
+              <a:rPr lang="iw-IL" sz="2400" dirty="0">
+                <a:latin typeface="David"/>
+                <a:ea typeface="David"/>
+                <a:cs typeface="David"/>
+                <a:sym typeface="David"/>
+              </a:rPr>
+              <a:t>מגמות </a:t>
+            </a:r>
+            <a:r>
+              <a:rPr lang="he-IL" sz="2400" dirty="0">
+                <a:latin typeface="David"/>
+                <a:ea typeface="David"/>
+                <a:cs typeface="David"/>
+                <a:sym typeface="David"/>
+              </a:rPr>
+              <a:t>על פני</a:t>
+            </a:r>
+            <a:r>
+              <a:rPr lang="iw-IL" sz="2400" dirty="0">
+                <a:latin typeface="David"/>
+                <a:ea typeface="David"/>
+                <a:cs typeface="David"/>
+                <a:sym typeface="David"/>
+              </a:rPr>
+              <a:t> תקופות ו\או </a:t>
+            </a:r>
+            <a:r>
+              <a:rPr lang="he-IL" sz="2400" dirty="0">
+                <a:latin typeface="David"/>
+                <a:ea typeface="David"/>
+                <a:cs typeface="David"/>
+                <a:sym typeface="David"/>
+              </a:rPr>
+              <a:t>ב</a:t>
+            </a:r>
+            <a:r>
+              <a:rPr lang="iw-IL" sz="2400" dirty="0">
+                <a:latin typeface="David"/>
+                <a:ea typeface="David"/>
+                <a:cs typeface="David"/>
+                <a:sym typeface="David"/>
+              </a:rPr>
+              <a:t>סוג ביטוח ו\או מיקום גאוגרפי.</a:t>
+            </a:r>
+            <a:endParaRPr sz="2400" dirty="0"/>
           </a:p>
         </p:txBody>
       </p:sp>
@@ -8249,708 +8605,6 @@
   <p:cSld>
     <p:spTree>
       <p:nvGrpSpPr>
-        <p:cNvPr id="1" name="Shape 159"/>
-        <p:cNvGrpSpPr/>
-        <p:nvPr/>
-      </p:nvGrpSpPr>
-      <p:grpSpPr>
-        <a:xfrm>
-          <a:off x="0" y="0"/>
-          <a:ext cx="0" cy="0"/>
-          <a:chOff x="0" y="0"/>
-          <a:chExt cx="0" cy="0"/>
-        </a:xfrm>
-      </p:grpSpPr>
-      <p:sp>
-        <p:nvSpPr>
-          <p:cNvPr id="160" name="Google Shape;160;p4"/>
-          <p:cNvSpPr txBox="1">
-            <a:spLocks noGrp="1"/>
-          </p:cNvSpPr>
-          <p:nvPr>
-            <p:ph idx="1"/>
-          </p:nvPr>
-        </p:nvSpPr>
-        <p:spPr>
-          <a:xfrm>
-            <a:off x="905069" y="476044"/>
-            <a:ext cx="10507053" cy="6111368"/>
-          </a:xfrm>
-          <a:prstGeom prst="rect">
-            <a:avLst/>
-          </a:prstGeom>
-          <a:noFill/>
-          <a:ln>
-            <a:noFill/>
-          </a:ln>
-        </p:spPr>
-        <p:txBody>
-          <a:bodyPr spcFirstLastPara="1" wrap="square" lIns="91425" tIns="45700" rIns="91425" bIns="45700" anchor="t" anchorCtr="0">
-            <a:normAutofit/>
-          </a:bodyPr>
-          <a:lstStyle/>
-          <a:p>
-            <a:pPr marL="0" lvl="0" indent="0" algn="r" rtl="1">
-              <a:lnSpc>
-                <a:spcPct val="90000"/>
-              </a:lnSpc>
-              <a:spcBef>
-                <a:spcPts val="0"/>
-              </a:spcBef>
-              <a:spcAft>
-                <a:spcPts val="0"/>
-              </a:spcAft>
-              <a:buClr>
-                <a:schemeClr val="lt1"/>
-              </a:buClr>
-              <a:buSzPts val="2200"/>
-              <a:buNone/>
-            </a:pPr>
-            <a:r>
-              <a:rPr lang="iw-IL" sz="2400" b="1" u="sng" dirty="0">
-                <a:latin typeface="David"/>
-                <a:ea typeface="David"/>
-                <a:cs typeface="David"/>
-                <a:sym typeface="David"/>
-              </a:rPr>
-              <a:t>שלבי פיתוח הפרויקט</a:t>
-            </a:r>
-            <a:r>
-              <a:rPr lang="iw-IL" sz="2400" b="1" dirty="0">
-                <a:latin typeface="David"/>
-                <a:ea typeface="David"/>
-                <a:cs typeface="David"/>
-                <a:sym typeface="David"/>
-              </a:rPr>
-              <a:t>:</a:t>
-            </a:r>
-            <a:br>
-              <a:rPr lang="iw-IL" sz="2400" b="1" dirty="0">
-                <a:latin typeface="David"/>
-                <a:ea typeface="David"/>
-                <a:cs typeface="David"/>
-                <a:sym typeface="David"/>
-              </a:rPr>
-            </a:br>
-            <a:endParaRPr sz="2400" dirty="0">
-              <a:latin typeface="David"/>
-              <a:ea typeface="David"/>
-              <a:cs typeface="David"/>
-              <a:sym typeface="David"/>
-            </a:endParaRPr>
-          </a:p>
-          <a:p>
-            <a:pPr marL="457200" lvl="0" indent="-457200" algn="r" rtl="1">
-              <a:lnSpc>
-                <a:spcPct val="90000"/>
-              </a:lnSpc>
-              <a:spcBef>
-                <a:spcPts val="1000"/>
-              </a:spcBef>
-              <a:spcAft>
-                <a:spcPts val="0"/>
-              </a:spcAft>
-              <a:buClr>
-                <a:schemeClr val="lt1"/>
-              </a:buClr>
-              <a:buSzPts val="2200"/>
-              <a:buFont typeface="Century Gothic"/>
-              <a:buAutoNum type="arabicPeriod"/>
-            </a:pPr>
-            <a:r>
-              <a:rPr lang="iw-IL" sz="2400" dirty="0">
-                <a:latin typeface="David"/>
-                <a:ea typeface="David"/>
-                <a:cs typeface="David"/>
-                <a:sym typeface="David"/>
-              </a:rPr>
-              <a:t> בתחילת הפרויקט הכנסנו את הנתונים</a:t>
-            </a:r>
-            <a:r>
-              <a:rPr lang="he-IL" sz="2400" dirty="0">
-                <a:latin typeface="David"/>
-                <a:ea typeface="David"/>
-                <a:cs typeface="David"/>
-                <a:sym typeface="David"/>
-              </a:rPr>
-              <a:t> אל -</a:t>
-            </a:r>
-            <a:r>
-              <a:rPr lang="iw-IL" sz="2400" dirty="0">
-                <a:latin typeface="David"/>
-                <a:ea typeface="David"/>
-                <a:cs typeface="David"/>
-                <a:sym typeface="David"/>
-              </a:rPr>
-              <a:t>SQ</a:t>
-            </a:r>
-            <a:r>
-              <a:rPr lang="en-US" sz="2400" dirty="0">
-                <a:latin typeface="David"/>
-                <a:ea typeface="David"/>
-                <a:cs typeface="David"/>
-                <a:sym typeface="David"/>
-              </a:rPr>
-              <a:t>L</a:t>
-            </a:r>
-            <a:r>
-              <a:rPr lang="iw-IL" sz="2400" dirty="0">
-                <a:latin typeface="David"/>
-                <a:ea typeface="David"/>
-                <a:cs typeface="David"/>
-                <a:sym typeface="David"/>
-              </a:rPr>
-              <a:t> </a:t>
-            </a:r>
-            <a:r>
-              <a:rPr lang="he-IL" sz="2400" dirty="0">
-                <a:latin typeface="David"/>
-                <a:ea typeface="David"/>
-                <a:cs typeface="David"/>
-                <a:sym typeface="David"/>
-              </a:rPr>
-              <a:t> ע"י סקריפט שבנה את הנתונים בטבלאות, ומתוך </a:t>
-            </a:r>
-            <a:r>
-              <a:rPr lang="en-US" sz="2400" dirty="0">
-                <a:latin typeface="David"/>
-                <a:ea typeface="David"/>
-                <a:cs typeface="David"/>
-                <a:sym typeface="David"/>
-              </a:rPr>
-              <a:t>PBI</a:t>
-            </a:r>
-            <a:r>
-              <a:rPr lang="he-IL" sz="2400" dirty="0">
-                <a:latin typeface="David"/>
-                <a:ea typeface="David"/>
-                <a:cs typeface="David"/>
-                <a:sym typeface="David"/>
-              </a:rPr>
-              <a:t> </a:t>
-            </a:r>
-            <a:r>
-              <a:rPr lang="iw-IL" sz="2400" dirty="0">
-                <a:latin typeface="David"/>
-                <a:ea typeface="David"/>
-                <a:cs typeface="David"/>
-                <a:sym typeface="David"/>
-              </a:rPr>
-              <a:t> שאבנו את הנתונים</a:t>
-            </a:r>
-            <a:r>
-              <a:rPr lang="he-IL" sz="2400" dirty="0">
-                <a:latin typeface="David"/>
-                <a:ea typeface="David"/>
-                <a:cs typeface="David"/>
-                <a:sym typeface="David"/>
-              </a:rPr>
-              <a:t> הנ"ל</a:t>
-            </a:r>
-            <a:r>
-              <a:rPr lang="iw-IL" sz="2400" dirty="0">
-                <a:latin typeface="David"/>
-                <a:ea typeface="David"/>
-                <a:cs typeface="David"/>
-                <a:sym typeface="David"/>
-              </a:rPr>
-              <a:t> </a:t>
-            </a:r>
-            <a:r>
-              <a:rPr lang="he-IL" sz="2400" dirty="0">
-                <a:latin typeface="David"/>
-                <a:ea typeface="David"/>
-                <a:cs typeface="David"/>
-                <a:sym typeface="David"/>
-              </a:rPr>
-              <a:t>יחד עם קובץ </a:t>
-            </a:r>
-            <a:r>
-              <a:rPr lang="en-US" sz="2400" dirty="0">
-                <a:latin typeface="David"/>
-                <a:ea typeface="David"/>
-                <a:cs typeface="David"/>
-                <a:sym typeface="David"/>
-              </a:rPr>
-              <a:t>CSV</a:t>
-            </a:r>
-            <a:r>
-              <a:rPr lang="he-IL" sz="2400" dirty="0">
-                <a:latin typeface="David"/>
-                <a:ea typeface="David"/>
-                <a:cs typeface="David"/>
-                <a:sym typeface="David"/>
-              </a:rPr>
-              <a:t> נוסף שהכיל את טבלת האזורים.</a:t>
-            </a:r>
-            <a:endParaRPr sz="2400" dirty="0"/>
-          </a:p>
-          <a:p>
-            <a:pPr marL="457200" lvl="0" indent="-457200" algn="r" rtl="1">
-              <a:lnSpc>
-                <a:spcPct val="90000"/>
-              </a:lnSpc>
-              <a:spcBef>
-                <a:spcPts val="1000"/>
-              </a:spcBef>
-              <a:spcAft>
-                <a:spcPts val="0"/>
-              </a:spcAft>
-              <a:buClr>
-                <a:schemeClr val="lt1"/>
-              </a:buClr>
-              <a:buSzPts val="2200"/>
-              <a:buFont typeface="Century Gothic"/>
-              <a:buAutoNum type="arabicPeriod"/>
-            </a:pPr>
-            <a:r>
-              <a:rPr lang="iw-IL" sz="2400" dirty="0">
-                <a:latin typeface="David"/>
-                <a:ea typeface="David"/>
-                <a:cs typeface="David"/>
-                <a:sym typeface="David"/>
-              </a:rPr>
-              <a:t>בשלב השני חיברנו ושילבנו את הטבלאות בקשרי גומלין</a:t>
-            </a:r>
-            <a:r>
-              <a:rPr lang="he-IL" sz="2400" dirty="0">
-                <a:latin typeface="David"/>
-                <a:ea typeface="David"/>
-                <a:cs typeface="David"/>
-                <a:sym typeface="David"/>
-              </a:rPr>
-              <a:t> עם</a:t>
-            </a:r>
-            <a:r>
-              <a:rPr lang="iw-IL" sz="2400" dirty="0">
-                <a:latin typeface="David"/>
-                <a:ea typeface="David"/>
-                <a:cs typeface="David"/>
-                <a:sym typeface="David"/>
-              </a:rPr>
-              <a:t> יצירת</a:t>
-            </a:r>
-            <a:r>
-              <a:rPr lang="en-US" sz="2400" dirty="0" err="1">
-                <a:latin typeface="David"/>
-                <a:ea typeface="David"/>
-                <a:cs typeface="David"/>
-                <a:sym typeface="David"/>
-              </a:rPr>
-              <a:t>Surrgate</a:t>
-            </a:r>
-            <a:r>
-              <a:rPr lang="en-US" sz="2400" dirty="0">
-                <a:latin typeface="David"/>
-                <a:ea typeface="David"/>
-                <a:cs typeface="David"/>
-                <a:sym typeface="David"/>
-              </a:rPr>
-              <a:t> Keys</a:t>
-            </a:r>
-            <a:r>
-              <a:rPr lang="iw-IL" sz="2400" dirty="0">
-                <a:latin typeface="David"/>
-                <a:ea typeface="David"/>
-                <a:cs typeface="David"/>
-                <a:sym typeface="David"/>
-              </a:rPr>
-              <a:t> </a:t>
-            </a:r>
-            <a:r>
-              <a:rPr lang="he-IL" sz="2400" dirty="0">
-                <a:latin typeface="David"/>
-                <a:ea typeface="David"/>
-                <a:cs typeface="David"/>
-                <a:sym typeface="David"/>
-              </a:rPr>
-              <a:t> לבניית מודל ב</a:t>
-            </a:r>
-            <a:r>
-              <a:rPr lang="iw-IL" sz="2400" dirty="0">
-                <a:latin typeface="David"/>
-                <a:ea typeface="David"/>
-                <a:cs typeface="David"/>
-                <a:sym typeface="David"/>
-              </a:rPr>
-              <a:t>תצורת סכמת הכוכב.</a:t>
-            </a:r>
-            <a:endParaRPr sz="2400" dirty="0"/>
-          </a:p>
-          <a:p>
-            <a:pPr marL="457200" lvl="0" indent="-457200" algn="r" rtl="1">
-              <a:lnSpc>
-                <a:spcPct val="90000"/>
-              </a:lnSpc>
-              <a:spcBef>
-                <a:spcPts val="1000"/>
-              </a:spcBef>
-              <a:spcAft>
-                <a:spcPts val="0"/>
-              </a:spcAft>
-              <a:buClr>
-                <a:schemeClr val="lt1"/>
-              </a:buClr>
-              <a:buSzPts val="2200"/>
-              <a:buFont typeface="Century Gothic"/>
-              <a:buAutoNum type="arabicPeriod"/>
-            </a:pPr>
-            <a:r>
-              <a:rPr lang="iw-IL" sz="2400" dirty="0">
-                <a:latin typeface="David"/>
-                <a:ea typeface="David"/>
-                <a:cs typeface="David"/>
-                <a:sym typeface="David"/>
-              </a:rPr>
-              <a:t>לאחר מכן, ניתחנו את נתונים שקיבלנו בשילוב בין הטבלאו</a:t>
-            </a:r>
-            <a:r>
-              <a:rPr lang="he-IL" sz="2400" dirty="0">
-                <a:latin typeface="David"/>
-                <a:ea typeface="David"/>
-                <a:cs typeface="David"/>
-                <a:sym typeface="David"/>
-              </a:rPr>
-              <a:t>ת ובחרנו כיצד לפלח</a:t>
-            </a:r>
-            <a:r>
-              <a:rPr lang="iw-IL" sz="2400" dirty="0">
-                <a:latin typeface="David"/>
-                <a:ea typeface="David"/>
-                <a:cs typeface="David"/>
-                <a:sym typeface="David"/>
-              </a:rPr>
-              <a:t> ולהציג</a:t>
-            </a:r>
-            <a:r>
-              <a:rPr lang="he-IL" sz="2400" dirty="0">
-                <a:latin typeface="David"/>
-                <a:ea typeface="David"/>
-                <a:cs typeface="David"/>
-                <a:sym typeface="David"/>
-              </a:rPr>
-              <a:t> את</a:t>
-            </a:r>
-            <a:r>
-              <a:rPr lang="iw-IL" sz="2400" dirty="0">
-                <a:latin typeface="David"/>
-                <a:ea typeface="David"/>
-                <a:cs typeface="David"/>
-                <a:sym typeface="David"/>
-              </a:rPr>
-              <a:t> מידע </a:t>
-            </a:r>
-            <a:r>
-              <a:rPr lang="he-IL" sz="2400" dirty="0">
-                <a:latin typeface="David"/>
-                <a:ea typeface="David"/>
-                <a:cs typeface="David"/>
-                <a:sym typeface="David"/>
-              </a:rPr>
-              <a:t>בצורה </a:t>
-            </a:r>
-            <a:r>
-              <a:rPr lang="iw-IL" sz="2400" dirty="0">
-                <a:latin typeface="David"/>
-                <a:ea typeface="David"/>
-                <a:cs typeface="David"/>
-                <a:sym typeface="David"/>
-              </a:rPr>
-              <a:t>שיעזור לפתח </a:t>
-            </a:r>
-            <a:r>
-              <a:rPr lang="he-IL" sz="2400" dirty="0">
-                <a:latin typeface="David"/>
-                <a:ea typeface="David"/>
-                <a:cs typeface="David"/>
-                <a:sym typeface="David"/>
-              </a:rPr>
-              <a:t>ולייעל</a:t>
-            </a:r>
-            <a:r>
-              <a:rPr lang="iw-IL" sz="2400" dirty="0">
-                <a:latin typeface="David"/>
-                <a:ea typeface="David"/>
-                <a:cs typeface="David"/>
-                <a:sym typeface="David"/>
-              </a:rPr>
-              <a:t> את החברה.</a:t>
-            </a:r>
-            <a:endParaRPr sz="2400" dirty="0"/>
-          </a:p>
-          <a:p>
-            <a:pPr marL="457200" lvl="0" indent="-457200" algn="r" rtl="1">
-              <a:lnSpc>
-                <a:spcPct val="90000"/>
-              </a:lnSpc>
-              <a:spcBef>
-                <a:spcPts val="1000"/>
-              </a:spcBef>
-              <a:spcAft>
-                <a:spcPts val="0"/>
-              </a:spcAft>
-              <a:buClr>
-                <a:schemeClr val="lt1"/>
-              </a:buClr>
-              <a:buSzPts val="2200"/>
-              <a:buFont typeface="Century Gothic"/>
-              <a:buAutoNum type="arabicPeriod"/>
-            </a:pPr>
-            <a:r>
-              <a:rPr lang="iw-IL" sz="2400" dirty="0">
-                <a:latin typeface="David"/>
-                <a:ea typeface="David"/>
-                <a:cs typeface="David"/>
-                <a:sym typeface="David"/>
-              </a:rPr>
-              <a:t>בהמשך הוספנו חישובים שיתמכו בניתוחים המתוכננים.</a:t>
-            </a:r>
-            <a:endParaRPr sz="2400" dirty="0"/>
-          </a:p>
-          <a:p>
-            <a:pPr marL="457200" lvl="0" indent="-457200" algn="r" rtl="1">
-              <a:lnSpc>
-                <a:spcPct val="90000"/>
-              </a:lnSpc>
-              <a:spcBef>
-                <a:spcPts val="1000"/>
-              </a:spcBef>
-              <a:spcAft>
-                <a:spcPts val="0"/>
-              </a:spcAft>
-              <a:buClr>
-                <a:schemeClr val="lt1"/>
-              </a:buClr>
-              <a:buSzPts val="2200"/>
-              <a:buFont typeface="Century Gothic"/>
-              <a:buAutoNum type="arabicPeriod"/>
-            </a:pPr>
-            <a:r>
-              <a:rPr lang="he-IL" sz="2400" dirty="0">
-                <a:latin typeface="David"/>
-                <a:ea typeface="David"/>
-                <a:cs typeface="David"/>
-                <a:sym typeface="David"/>
-              </a:rPr>
-              <a:t>בחירת</a:t>
-            </a:r>
-            <a:r>
-              <a:rPr lang="iw-IL" sz="2400" dirty="0">
-                <a:latin typeface="David"/>
-                <a:ea typeface="David"/>
-                <a:cs typeface="David"/>
-                <a:sym typeface="David"/>
-              </a:rPr>
-              <a:t> KPI</a:t>
-            </a:r>
-            <a:r>
-              <a:rPr lang="en-US" sz="2400" dirty="0">
-                <a:latin typeface="David"/>
-                <a:ea typeface="David"/>
-                <a:cs typeface="David"/>
-                <a:sym typeface="David"/>
-              </a:rPr>
-              <a:t>’s</a:t>
-            </a:r>
-            <a:r>
-              <a:rPr lang="iw-IL" sz="2400" dirty="0">
-                <a:latin typeface="David"/>
-                <a:ea typeface="David"/>
-                <a:cs typeface="David"/>
-                <a:sym typeface="David"/>
-              </a:rPr>
-              <a:t> מתאי</a:t>
-            </a:r>
-            <a:r>
-              <a:rPr lang="he-IL" sz="2400" dirty="0">
-                <a:latin typeface="David"/>
-                <a:ea typeface="David"/>
-                <a:cs typeface="David"/>
-                <a:sym typeface="David"/>
-              </a:rPr>
-              <a:t>מים</a:t>
-            </a:r>
-            <a:r>
-              <a:rPr lang="iw-IL" sz="2400" dirty="0">
-                <a:latin typeface="David"/>
-                <a:ea typeface="David"/>
-                <a:cs typeface="David"/>
-                <a:sym typeface="David"/>
-              </a:rPr>
-              <a:t> לכל </a:t>
-            </a:r>
-            <a:r>
-              <a:rPr lang="he-IL" sz="2400" dirty="0">
-                <a:latin typeface="David"/>
-                <a:ea typeface="David"/>
-                <a:cs typeface="David"/>
-                <a:sym typeface="David"/>
-              </a:rPr>
-              <a:t>לשונית</a:t>
-            </a:r>
-            <a:r>
-              <a:rPr lang="iw-IL" sz="2400" dirty="0">
-                <a:latin typeface="David"/>
-                <a:ea typeface="David"/>
-                <a:cs typeface="David"/>
-                <a:sym typeface="David"/>
-              </a:rPr>
-              <a:t>.</a:t>
-            </a:r>
-            <a:endParaRPr sz="2400" dirty="0"/>
-          </a:p>
-          <a:p>
-            <a:pPr marL="457200" lvl="0" indent="-457200" algn="r" rtl="1">
-              <a:lnSpc>
-                <a:spcPct val="90000"/>
-              </a:lnSpc>
-              <a:spcBef>
-                <a:spcPts val="1000"/>
-              </a:spcBef>
-              <a:spcAft>
-                <a:spcPts val="0"/>
-              </a:spcAft>
-              <a:buClr>
-                <a:schemeClr val="lt1"/>
-              </a:buClr>
-              <a:buSzPts val="2200"/>
-              <a:buFont typeface="Century Gothic"/>
-              <a:buAutoNum type="arabicPeriod"/>
-            </a:pPr>
-            <a:r>
-              <a:rPr lang="iw-IL" sz="2400" dirty="0">
-                <a:latin typeface="David"/>
-                <a:ea typeface="David"/>
-                <a:cs typeface="David"/>
-                <a:sym typeface="David"/>
-              </a:rPr>
-              <a:t>לסיום הצגנו את תוצאות הניתוחים בטבלאות וגרפים אשר </a:t>
-            </a:r>
-            <a:r>
-              <a:rPr lang="he-IL" sz="2400" dirty="0">
-                <a:latin typeface="David"/>
-                <a:ea typeface="David"/>
-                <a:cs typeface="David"/>
-                <a:sym typeface="David"/>
-              </a:rPr>
-              <a:t>לקבל מידע</a:t>
-            </a:r>
-            <a:r>
-              <a:rPr lang="iw-IL" sz="2400" dirty="0">
-                <a:latin typeface="David"/>
-                <a:ea typeface="David"/>
-                <a:cs typeface="David"/>
-                <a:sym typeface="David"/>
-              </a:rPr>
-              <a:t> </a:t>
-            </a:r>
-            <a:r>
-              <a:rPr lang="he-IL" sz="2400" dirty="0">
-                <a:latin typeface="David"/>
-                <a:ea typeface="David"/>
-                <a:cs typeface="David"/>
-                <a:sym typeface="David"/>
-              </a:rPr>
-              <a:t>על </a:t>
-            </a:r>
-            <a:r>
-              <a:rPr lang="iw-IL" sz="2400" dirty="0">
-                <a:latin typeface="David"/>
-                <a:ea typeface="David"/>
-                <a:cs typeface="David"/>
-                <a:sym typeface="David"/>
-              </a:rPr>
-              <a:t>מצב</a:t>
-            </a:r>
-            <a:r>
-              <a:rPr lang="he-IL" sz="2400" dirty="0">
-                <a:latin typeface="David"/>
-                <a:ea typeface="David"/>
-                <a:cs typeface="David"/>
-                <a:sym typeface="David"/>
-              </a:rPr>
-              <a:t>ה של </a:t>
-            </a:r>
-            <a:r>
-              <a:rPr lang="iw-IL" sz="2400" dirty="0">
-                <a:latin typeface="David"/>
-                <a:ea typeface="David"/>
-                <a:cs typeface="David"/>
-                <a:sym typeface="David"/>
-              </a:rPr>
-              <a:t>החברה </a:t>
-            </a:r>
-            <a:r>
-              <a:rPr lang="he-IL" sz="2400" dirty="0">
-                <a:latin typeface="David"/>
-                <a:ea typeface="David"/>
-                <a:cs typeface="David"/>
-                <a:sym typeface="David"/>
-              </a:rPr>
-              <a:t>כמו </a:t>
-            </a:r>
-            <a:r>
-              <a:rPr lang="iw-IL" sz="2400" dirty="0">
-                <a:latin typeface="David"/>
-                <a:ea typeface="David"/>
-                <a:cs typeface="David"/>
-                <a:sym typeface="David"/>
-              </a:rPr>
-              <a:t>מגמות </a:t>
-            </a:r>
-            <a:r>
-              <a:rPr lang="he-IL" sz="2400" dirty="0">
-                <a:latin typeface="David"/>
-                <a:ea typeface="David"/>
-                <a:cs typeface="David"/>
-                <a:sym typeface="David"/>
-              </a:rPr>
-              <a:t>על פני</a:t>
-            </a:r>
-            <a:r>
-              <a:rPr lang="iw-IL" sz="2400" dirty="0">
-                <a:latin typeface="David"/>
-                <a:ea typeface="David"/>
-                <a:cs typeface="David"/>
-                <a:sym typeface="David"/>
-              </a:rPr>
-              <a:t> תקופות ו\או </a:t>
-            </a:r>
-            <a:r>
-              <a:rPr lang="he-IL" sz="2400" dirty="0">
-                <a:latin typeface="David"/>
-                <a:ea typeface="David"/>
-                <a:cs typeface="David"/>
-                <a:sym typeface="David"/>
-              </a:rPr>
-              <a:t>ב</a:t>
-            </a:r>
-            <a:r>
-              <a:rPr lang="iw-IL" sz="2400" dirty="0">
-                <a:latin typeface="David"/>
-                <a:ea typeface="David"/>
-                <a:cs typeface="David"/>
-                <a:sym typeface="David"/>
-              </a:rPr>
-              <a:t>סוג ביטוח ו\או מיקום גאוגרפי.</a:t>
-            </a:r>
-            <a:endParaRPr sz="2400" dirty="0"/>
-          </a:p>
-        </p:txBody>
-      </p:sp>
-    </p:spTree>
-  </p:cSld>
-  <p:clrMapOvr>
-    <a:masterClrMapping/>
-  </p:clrMapOvr>
-</p:sld>
-</file>
-
-<file path=ppt/slides/slide5.xml><?xml version="1.0" encoding="utf-8"?>
-<p:sld xmlns:a="http://schemas.openxmlformats.org/drawingml/2006/main" xmlns:r="http://schemas.openxmlformats.org/officeDocument/2006/relationships" xmlns:p="http://schemas.openxmlformats.org/presentationml/2006/main">
-  <p:cSld>
-    <p:spTree>
-      <p:nvGrpSpPr>
         <p:cNvPr id="1" name="Shape 164"/>
         <p:cNvGrpSpPr/>
         <p:nvPr/>
@@ -9089,7 +8743,7 @@
                 <a:cs typeface="David" panose="020E0502060401010101" pitchFamily="34" charset="-79"/>
                 <a:sym typeface="David"/>
               </a:rPr>
-              <a:t> כי באופן כללי קיימת מגמת עלייה ברווחי החברה</a:t>
+              <a:t> כי באופן כללי קיימת מגמת עלייה ברווחי החברה.</a:t>
             </a:r>
           </a:p>
           <a:p>
@@ -9115,7 +8769,7 @@
                 <a:cs typeface="David" panose="020E0502060401010101" pitchFamily="34" charset="-79"/>
                 <a:sym typeface="David"/>
               </a:rPr>
-              <a:t> בשנת 2012</a:t>
+              <a:t>בשנת 2012</a:t>
             </a:r>
             <a:r>
               <a:rPr lang="he-IL" sz="1600" b="0" i="0" u="none" strike="noStrike" cap="none" dirty="0">
@@ -9127,7 +8781,7 @@
                 <a:cs typeface="David" panose="020E0502060401010101" pitchFamily="34" charset="-79"/>
                 <a:sym typeface="David"/>
               </a:rPr>
-              <a:t> </a:t>
+              <a:t>, </a:t>
             </a:r>
             <a:r>
               <a:rPr lang="iw-IL" sz="1600" b="0" i="0" u="none" strike="noStrike" cap="none" dirty="0">
@@ -9151,7 +8805,7 @@
                 <a:cs typeface="David" panose="020E0502060401010101" pitchFamily="34" charset="-79"/>
                 <a:sym typeface="David"/>
               </a:rPr>
-              <a:t>בצמיחה ההכנסות לעומת 2011 וב2013 ישנה ירידה בצמיחה לעומת 2012</a:t>
+              <a:t>בהכנסות לעומת 2011, אך בשנת 2013 ישנה ירידה בצמיחה למול שנה קודמת.</a:t>
             </a:r>
             <a:endParaRPr sz="1600" b="0" i="0" u="none" strike="noStrike" cap="none" dirty="0">
               <a:solidFill>
@@ -9326,7 +8980,7 @@
                 <a:cs typeface="David" panose="020E0502060401010101" pitchFamily="34" charset="-79"/>
                 <a:sym typeface="David"/>
               </a:rPr>
-              <a:t> היא </a:t>
+              <a:t> הוא </a:t>
             </a:r>
             <a:r>
               <a:rPr lang="he-IL" sz="1600" dirty="0">
@@ -9589,7 +9243,7 @@
 </p:sld>
 </file>
 
-<file path=ppt/slides/slide6.xml><?xml version="1.0" encoding="utf-8"?>
+<file path=ppt/slides/slide5.xml><?xml version="1.0" encoding="utf-8"?>
 <p:sld xmlns:a="http://schemas.openxmlformats.org/drawingml/2006/main" xmlns:r="http://schemas.openxmlformats.org/officeDocument/2006/relationships" xmlns:p="http://schemas.openxmlformats.org/presentationml/2006/main">
   <p:cSld>
     <p:spTree>
@@ -10052,7 +9706,31 @@
                 <a:cs typeface="David"/>
                 <a:sym typeface="David"/>
               </a:rPr>
-              <a:t>בנוסף כפי שרואים יחס ההכנסה הממוצ</a:t>
+              <a:t>בנוסף כפי שרואים</a:t>
+            </a:r>
+            <a:r>
+              <a:rPr lang="he-IL" sz="1800" b="0" i="0" u="none" strike="noStrike" cap="none" dirty="0">
+                <a:solidFill>
+                  <a:schemeClr val="lt1"/>
+                </a:solidFill>
+                <a:latin typeface="David"/>
+                <a:ea typeface="David"/>
+                <a:cs typeface="David"/>
+                <a:sym typeface="David"/>
+              </a:rPr>
+              <a:t>, ישנו מתאם בין </a:t>
+            </a:r>
+            <a:r>
+              <a:rPr lang="iw-IL" sz="1800" b="0" i="0" u="none" strike="noStrike" cap="none" dirty="0">
+                <a:solidFill>
+                  <a:schemeClr val="lt1"/>
+                </a:solidFill>
+                <a:latin typeface="David"/>
+                <a:ea typeface="David"/>
+                <a:cs typeface="David"/>
+                <a:sym typeface="David"/>
+              </a:rPr>
+              <a:t>יחס ההכנסה הממוצ</a:t>
             </a:r>
             <a:r>
               <a:rPr lang="he-IL" dirty="0">
@@ -10076,7 +9754,55 @@
                 <a:cs typeface="David"/>
                 <a:sym typeface="David"/>
               </a:rPr>
-              <a:t> ללקוח לא משפיע על ההכנסה הממוצעת באותה תקופה.</a:t>
+              <a:t> </a:t>
+            </a:r>
+            <a:r>
+              <a:rPr lang="he-IL" sz="1800" b="0" i="0" u="none" strike="noStrike" cap="none" dirty="0">
+                <a:solidFill>
+                  <a:schemeClr val="lt1"/>
+                </a:solidFill>
+                <a:latin typeface="David"/>
+                <a:ea typeface="David"/>
+                <a:cs typeface="David"/>
+                <a:sym typeface="David"/>
+              </a:rPr>
+              <a:t>מ</a:t>
+            </a:r>
+            <a:r>
+              <a:rPr lang="iw-IL" sz="1800" b="0" i="0" u="none" strike="noStrike" cap="none" dirty="0">
+                <a:solidFill>
+                  <a:schemeClr val="lt1"/>
+                </a:solidFill>
+                <a:latin typeface="David"/>
+                <a:ea typeface="David"/>
+                <a:cs typeface="David"/>
+                <a:sym typeface="David"/>
+              </a:rPr>
+              <a:t>לקוח </a:t>
+            </a:r>
+            <a:r>
+              <a:rPr lang="he-IL" sz="1800" b="0" i="0" u="none" strike="noStrike" cap="none" dirty="0">
+                <a:solidFill>
+                  <a:schemeClr val="lt1"/>
+                </a:solidFill>
+                <a:latin typeface="David"/>
+                <a:ea typeface="David"/>
+                <a:cs typeface="David"/>
+                <a:sym typeface="David"/>
+              </a:rPr>
+              <a:t>ל</a:t>
+            </a:r>
+            <a:r>
+              <a:rPr lang="iw-IL" sz="1800" b="0" i="0" u="none" strike="noStrike" cap="none" dirty="0">
+                <a:solidFill>
+                  <a:schemeClr val="lt1"/>
+                </a:solidFill>
+                <a:latin typeface="David"/>
+                <a:ea typeface="David"/>
+                <a:cs typeface="David"/>
+                <a:sym typeface="David"/>
+              </a:rPr>
+              <a:t>ההכנסה הממוצעת.</a:t>
             </a:r>
             <a:endParaRPr dirty="0"/>
           </a:p>
@@ -10120,7 +9846,7 @@
 </p:sld>
 </file>
 
-<file path=ppt/slides/slide7.xml><?xml version="1.0" encoding="utf-8"?>
+<file path=ppt/slides/slide6.xml><?xml version="1.0" encoding="utf-8"?>
 <p:sld xmlns:a="http://schemas.openxmlformats.org/drawingml/2006/main" xmlns:r="http://schemas.openxmlformats.org/officeDocument/2006/relationships" xmlns:p="http://schemas.openxmlformats.org/presentationml/2006/main">
   <p:cSld>
     <p:spTree>
@@ -10222,7 +9948,7 @@
                 <a:cs typeface="David"/>
                 <a:sym typeface="David"/>
               </a:rPr>
-              <a:t>מדוח נתונים זה ניתן לראות שמצרים ומולדובה מובילות ביחס התביעה להכנסה, עם דגש על כך שבמצרים כמעט לא רווחיים.</a:t>
+              <a:t>מדוח נתונים זה ניתן לראות שמצרים ומולדובה מובילות ביחס התביעה להכנסה, בדגש על מצרים שבה הרווח כמעט אפסי.</a:t>
             </a:r>
             <a:endParaRPr lang="he-IL" dirty="0"/>
           </a:p>

--- a/Introduction - Happy Insurance.pptx
+++ b/Introduction - Happy Insurance.pptx
@@ -142,7 +142,7 @@
       <p15:sldGuideLst xmlns:p15="http://schemas.microsoft.com/office/powerpoint/2012/main"/>
     </p:ext>
     <p:ext uri="http://customooxmlschemas.google.com/">
-      <go:slidesCustomData xmlns:go="http://customooxmlschemas.google.com/" xmlns:ahyp="http://schemas.microsoft.com/office/drawing/2018/hyperlinkcolor" xmlns:p15="http://schemas.microsoft.com/office/powerpoint/2012/main" xmlns:p14="http://schemas.microsoft.com/office/powerpoint/2010/main" xmlns:com="http://schemas.openxmlformats.org/drawingml/2006/compatibility" xmlns:pvml="urn:schemas-microsoft-com:office:powerpoint" xmlns:v="urn:schemas-microsoft-com:vml" xmlns:o="urn:schemas-microsoft-com:office:office" xmlns:dgm="http://schemas.openxmlformats.org/drawingml/2006/diagram" xmlns:c="http://schemas.openxmlformats.org/drawingml/2006/chart" xmlns:mv="urn:schemas-microsoft-com:mac:vml" xmlns:mc="http://schemas.openxmlformats.org/markup-compatibility/2006" xmlns="" r:id="rId22" roundtripDataSignature="AMtx7mg2sfo8FPebJ8AKZsiGtAK3qgZ1Gg=="/>
+      <go:slidesCustomData xmlns="" xmlns:mc="http://schemas.openxmlformats.org/markup-compatibility/2006" xmlns:mv="urn:schemas-microsoft-com:mac:vml" xmlns:c="http://schemas.openxmlformats.org/drawingml/2006/chart" xmlns:dgm="http://schemas.openxmlformats.org/drawingml/2006/diagram" xmlns:o="urn:schemas-microsoft-com:office:office" xmlns:v="urn:schemas-microsoft-com:vml" xmlns:pvml="urn:schemas-microsoft-com:office:powerpoint" xmlns:com="http://schemas.openxmlformats.org/drawingml/2006/compatibility" xmlns:p14="http://schemas.microsoft.com/office/powerpoint/2010/main" xmlns:p15="http://schemas.microsoft.com/office/powerpoint/2012/main" xmlns:ahyp="http://schemas.microsoft.com/office/drawing/2018/hyperlinkcolor" xmlns:go="http://customooxmlschemas.google.com/" r:id="rId22" roundtripDataSignature="AMtx7mg2sfo8FPebJ8AKZsiGtAK3qgZ1Gg=="/>
     </p:ext>
   </p:extLst>
 </p:presentation>
@@ -7680,7 +7680,7 @@
                 <a:cs typeface="David"/>
                 <a:sym typeface="David"/>
               </a:rPr>
-              <a:t>העלאתי</a:t>
+              <a:t>העלתי</a:t>
             </a:r>
             <a:r>
               <a:rPr lang="iw-IL" sz="2400" dirty="0">
@@ -8026,25 +8026,7 @@
                 <a:cs typeface="David"/>
                 <a:sym typeface="David"/>
               </a:rPr>
-              <a:t>ת </a:t>
-            </a:r>
-            <a:r>
-              <a:rPr lang="he-IL" sz="2400" dirty="0" err="1">
-                <a:latin typeface="David"/>
-                <a:ea typeface="David"/>
-                <a:cs typeface="David"/>
-                <a:sym typeface="David"/>
-              </a:rPr>
-              <a:t>ובחרצי</a:t>
-            </a:r>
-            <a:r>
-              <a:rPr lang="he-IL" sz="2400" dirty="0">
-                <a:latin typeface="David"/>
-                <a:ea typeface="David"/>
-                <a:cs typeface="David"/>
-                <a:sym typeface="David"/>
-              </a:rPr>
-              <a:t> כיצד לפלח</a:t>
+              <a:t>ת ובחרתי כיצד לפלח</a:t>
             </a:r>
             <a:r>
               <a:rPr lang="iw-IL" sz="2400" dirty="0">
